--- a/img/circle.pptx
+++ b/img/circle.pptx
@@ -151,7 +151,7 @@
       </p14:sectionLst>
     </p:ext>
     <p:ext uri="{EFAFB233-063F-42B5-8137-9DF3F51BA10A}">
-      <p15:sldGuideLst xmlns:p15="http://schemas.microsoft.com/office/powerpoint/2012/main" xmlns="">
+      <p15:sldGuideLst xmlns="" xmlns:p15="http://schemas.microsoft.com/office/powerpoint/2012/main">
         <p15:guide id="1" orient="horz" pos="2160">
           <p15:clr>
             <a:srgbClr val="A4A3A4"/>
@@ -165,7 +165,7 @@
       </p15:sldGuideLst>
     </p:ext>
     <p:ext uri="{2D200454-40CA-4A62-9FC3-DE9A4176ACB9}">
-      <p15:notesGuideLst xmlns:p15="http://schemas.microsoft.com/office/powerpoint/2012/main" xmlns="">
+      <p15:notesGuideLst xmlns="" xmlns:p15="http://schemas.microsoft.com/office/powerpoint/2012/main">
         <p15:guide id="1" orient="horz" pos="3223">
           <p15:clr>
             <a:srgbClr val="A4A3A4"/>
@@ -2036,8 +2036,8 @@
           </a:fontRef>
         </p:style>
       </p:cxnSp>
-      <mc:AlternateContent xmlns:mc="http://schemas.openxmlformats.org/markup-compatibility/2006">
-        <mc:Choice xmlns:a14="http://schemas.microsoft.com/office/drawing/2010/main" Requires="a14">
+      <mc:AlternateContent xmlns:mc="http://schemas.openxmlformats.org/markup-compatibility/2006" xmlns:a14="http://schemas.microsoft.com/office/drawing/2010/main">
+        <mc:Choice Requires="a14">
           <p:sp>
             <p:nvSpPr>
               <p:cNvPr id="27" name="テキスト ボックス 26"/>
@@ -2099,7 +2099,7 @@
             </p:txBody>
           </p:sp>
         </mc:Choice>
-        <mc:Fallback>
+        <mc:Fallback xmlns="">
           <p:sp>
             <p:nvSpPr>
               <p:cNvPr id="27" name="テキスト ボックス 26"/>
@@ -2466,8 +2466,8 @@
           </a:fontRef>
         </p:style>
       </p:cxnSp>
-      <mc:AlternateContent xmlns:mc="http://schemas.openxmlformats.org/markup-compatibility/2006">
-        <mc:Choice xmlns:a14="http://schemas.microsoft.com/office/drawing/2010/main" Requires="a14">
+      <mc:AlternateContent xmlns:mc="http://schemas.openxmlformats.org/markup-compatibility/2006" xmlns:a14="http://schemas.microsoft.com/office/drawing/2010/main">
+        <mc:Choice Requires="a14">
           <p:sp>
             <p:nvSpPr>
               <p:cNvPr id="14" name="テキスト ボックス 13"/>
@@ -2521,7 +2521,7 @@
             </p:txBody>
           </p:sp>
         </mc:Choice>
-        <mc:Fallback>
+        <mc:Fallback xmlns="">
           <p:sp>
             <p:nvSpPr>
               <p:cNvPr id="14" name="テキスト ボックス 13"/>
@@ -2564,8 +2564,8 @@
           </p:sp>
         </mc:Fallback>
       </mc:AlternateContent>
-      <mc:AlternateContent xmlns:mc="http://schemas.openxmlformats.org/markup-compatibility/2006">
-        <mc:Choice xmlns:a14="http://schemas.microsoft.com/office/drawing/2010/main" Requires="a14">
+      <mc:AlternateContent xmlns:mc="http://schemas.openxmlformats.org/markup-compatibility/2006" xmlns:a14="http://schemas.microsoft.com/office/drawing/2010/main">
+        <mc:Choice Requires="a14">
           <p:sp>
             <p:nvSpPr>
               <p:cNvPr id="15" name="テキスト ボックス 14"/>
@@ -2627,7 +2627,7 @@
             </p:txBody>
           </p:sp>
         </mc:Choice>
-        <mc:Fallback>
+        <mc:Fallback xmlns="">
           <p:sp>
             <p:nvSpPr>
               <p:cNvPr id="15" name="テキスト ボックス 14"/>
@@ -2670,8 +2670,8 @@
           </p:sp>
         </mc:Fallback>
       </mc:AlternateContent>
-      <mc:AlternateContent xmlns:mc="http://schemas.openxmlformats.org/markup-compatibility/2006">
-        <mc:Choice xmlns:a14="http://schemas.microsoft.com/office/drawing/2010/main" Requires="a14">
+      <mc:AlternateContent xmlns:mc="http://schemas.openxmlformats.org/markup-compatibility/2006" xmlns:a14="http://schemas.microsoft.com/office/drawing/2010/main">
+        <mc:Choice Requires="a14">
           <p:sp>
             <p:nvSpPr>
               <p:cNvPr id="16" name="テキスト ボックス 15"/>
@@ -2725,7 +2725,7 @@
             </p:txBody>
           </p:sp>
         </mc:Choice>
-        <mc:Fallback>
+        <mc:Fallback xmlns="">
           <p:sp>
             <p:nvSpPr>
               <p:cNvPr id="16" name="テキスト ボックス 15"/>
@@ -2768,8 +2768,8 @@
           </p:sp>
         </mc:Fallback>
       </mc:AlternateContent>
-      <mc:AlternateContent xmlns:mc="http://schemas.openxmlformats.org/markup-compatibility/2006">
-        <mc:Choice xmlns:a14="http://schemas.microsoft.com/office/drawing/2010/main" Requires="a14">
+      <mc:AlternateContent xmlns:mc="http://schemas.openxmlformats.org/markup-compatibility/2006" xmlns:a14="http://schemas.microsoft.com/office/drawing/2010/main">
+        <mc:Choice Requires="a14">
           <p:sp>
             <p:nvSpPr>
               <p:cNvPr id="17" name="テキスト ボックス 16"/>
@@ -2831,7 +2831,7 @@
             </p:txBody>
           </p:sp>
         </mc:Choice>
-        <mc:Fallback>
+        <mc:Fallback xmlns="">
           <p:sp>
             <p:nvSpPr>
               <p:cNvPr id="17" name="テキスト ボックス 16"/>
@@ -2882,7 +2882,7 @@
         </p:nvCxnSpPr>
         <p:spPr>
           <a:xfrm>
-            <a:off x="1382996" y="2768830"/>
+            <a:off x="1382996" y="2783489"/>
             <a:ext cx="0" cy="179825"/>
           </a:xfrm>
           <a:prstGeom prst="line">
@@ -2918,7 +2918,7 @@
         </p:nvCxnSpPr>
         <p:spPr>
           <a:xfrm>
-            <a:off x="1511913" y="2782269"/>
+            <a:off x="1501677" y="2783489"/>
             <a:ext cx="0" cy="179825"/>
           </a:xfrm>
           <a:prstGeom prst="line">
@@ -2954,7 +2954,7 @@
         </p:nvCxnSpPr>
         <p:spPr>
           <a:xfrm>
-            <a:off x="1918210" y="2782408"/>
+            <a:off x="1918210" y="2783489"/>
             <a:ext cx="0" cy="179825"/>
           </a:xfrm>
           <a:prstGeom prst="line">
@@ -2990,7 +2990,7 @@
         </p:nvCxnSpPr>
         <p:spPr>
           <a:xfrm>
-            <a:off x="1837745" y="2788333"/>
+            <a:off x="1820685" y="2783489"/>
             <a:ext cx="0" cy="179825"/>
           </a:xfrm>
           <a:prstGeom prst="line">
@@ -3026,7 +3026,7 @@
         </p:nvCxnSpPr>
         <p:spPr>
           <a:xfrm>
-            <a:off x="1151873" y="2782269"/>
+            <a:off x="1151873" y="2783489"/>
             <a:ext cx="0" cy="179825"/>
           </a:xfrm>
           <a:prstGeom prst="line">
@@ -3062,7 +3062,7 @@
         </p:nvCxnSpPr>
         <p:spPr>
           <a:xfrm>
-            <a:off x="1043861" y="2782269"/>
+            <a:off x="1043861" y="2783489"/>
             <a:ext cx="0" cy="179825"/>
           </a:xfrm>
           <a:prstGeom prst="line">
@@ -3098,7 +3098,7 @@
         </p:nvCxnSpPr>
         <p:spPr>
           <a:xfrm>
-            <a:off x="935849" y="2782269"/>
+            <a:off x="935849" y="2783489"/>
             <a:ext cx="0" cy="179825"/>
           </a:xfrm>
           <a:prstGeom prst="line">
@@ -3134,7 +3134,7 @@
         </p:nvCxnSpPr>
         <p:spPr>
           <a:xfrm>
-            <a:off x="1619925" y="2782269"/>
+            <a:off x="1619925" y="2783489"/>
             <a:ext cx="0" cy="179825"/>
           </a:xfrm>
           <a:prstGeom prst="line">
@@ -3170,7 +3170,7 @@
         </p:nvCxnSpPr>
         <p:spPr>
           <a:xfrm>
-            <a:off x="2015969" y="2782269"/>
+            <a:off x="2015969" y="2783489"/>
             <a:ext cx="0" cy="179825"/>
           </a:xfrm>
           <a:prstGeom prst="line">
